--- a/Final Analysis Presentation.pptx
+++ b/Final Analysis Presentation.pptx
@@ -28,6 +28,7 @@
     <p:sldId id="280" r:id="rId22"/>
     <p:sldId id="260" r:id="rId23"/>
     <p:sldId id="261" r:id="rId24"/>
+    <p:sldId id="292" r:id="rId25"/>
   </p:sldIdLst>
   <p:sldSz cx="12192000" cy="6858000"/>
   <p:notesSz cx="6858000" cy="9144000"/>
@@ -7973,7 +7974,7 @@
         </p:nvSpPr>
         <p:spPr>
           <a:xfrm>
-            <a:off x="838200" y="1825625"/>
+            <a:off x="266700" y="1749425"/>
             <a:ext cx="5829300" cy="4351338"/>
           </a:xfrm>
         </p:spPr>
@@ -8148,8 +8149,68 @@
         </p:blipFill>
         <p:spPr>
           <a:xfrm>
-            <a:off x="6812280" y="2105406"/>
-            <a:ext cx="4864696" cy="3312414"/>
+            <a:off x="7293903" y="1532150"/>
+            <a:ext cx="3268980" cy="2225877"/>
+          </a:xfrm>
+          <a:prstGeom prst="rect">
+            <a:avLst/>
+          </a:prstGeom>
+        </p:spPr>
+      </p:pic>
+      <p:pic>
+        <p:nvPicPr>
+          <p:cNvPr id="5" name="Picture 4">
+            <a:extLst>
+              <a:ext uri="{FF2B5EF4-FFF2-40B4-BE49-F238E27FC236}">
+                <a16:creationId xmlns:a16="http://schemas.microsoft.com/office/drawing/2014/main" id="{A9A8F1EF-E4D0-46CA-AA6B-D3C2C1B25442}"/>
+              </a:ext>
+            </a:extLst>
+          </p:cNvPr>
+          <p:cNvPicPr>
+            <a:picLocks noChangeAspect="1"/>
+          </p:cNvPicPr>
+          <p:nvPr/>
+        </p:nvPicPr>
+        <p:blipFill>
+          <a:blip r:embed="rId5"/>
+          <a:stretch>
+            <a:fillRect/>
+          </a:stretch>
+        </p:blipFill>
+        <p:spPr>
+          <a:xfrm>
+            <a:off x="6340694" y="4024900"/>
+            <a:ext cx="2740099" cy="2007282"/>
+          </a:xfrm>
+          <a:prstGeom prst="rect">
+            <a:avLst/>
+          </a:prstGeom>
+        </p:spPr>
+      </p:pic>
+      <p:pic>
+        <p:nvPicPr>
+          <p:cNvPr id="7" name="Picture 6">
+            <a:extLst>
+              <a:ext uri="{FF2B5EF4-FFF2-40B4-BE49-F238E27FC236}">
+                <a16:creationId xmlns:a16="http://schemas.microsoft.com/office/drawing/2014/main" id="{32A6D1D9-0978-4B5B-8C81-313C06DA0473}"/>
+              </a:ext>
+            </a:extLst>
+          </p:cNvPr>
+          <p:cNvPicPr>
+            <a:picLocks noChangeAspect="1"/>
+          </p:cNvPicPr>
+          <p:nvPr/>
+        </p:nvPicPr>
+        <p:blipFill>
+          <a:blip r:embed="rId6"/>
+          <a:stretch>
+            <a:fillRect/>
+          </a:stretch>
+        </p:blipFill>
+        <p:spPr>
+          <a:xfrm>
+            <a:off x="9325487" y="4024900"/>
+            <a:ext cx="2618423" cy="2007282"/>
           </a:xfrm>
           <a:prstGeom prst="rect">
             <a:avLst/>
@@ -9335,6 +9396,69 @@
     <p:extLst>
       <p:ext uri="{BB962C8B-B14F-4D97-AF65-F5344CB8AC3E}">
         <p14:creationId xmlns:p14="http://schemas.microsoft.com/office/powerpoint/2010/main" val="1332136975"/>
+      </p:ext>
+    </p:extLst>
+  </p:cSld>
+  <p:clrMapOvr>
+    <a:masterClrMapping/>
+  </p:clrMapOvr>
+</p:sld>
+</file>
+
+<file path=ppt/slides/slide24.xml><?xml version="1.0" encoding="utf-8"?>
+<p:sld xmlns:a="http://schemas.openxmlformats.org/drawingml/2006/main" xmlns:r="http://schemas.openxmlformats.org/officeDocument/2006/relationships" xmlns:p="http://schemas.openxmlformats.org/presentationml/2006/main">
+  <p:cSld>
+    <p:spTree>
+      <p:nvGrpSpPr>
+        <p:cNvPr id="1" name=""/>
+        <p:cNvGrpSpPr/>
+        <p:nvPr/>
+      </p:nvGrpSpPr>
+      <p:grpSpPr>
+        <a:xfrm>
+          <a:off x="0" y="0"/>
+          <a:ext cx="0" cy="0"/>
+          <a:chOff x="0" y="0"/>
+          <a:chExt cx="0" cy="0"/>
+        </a:xfrm>
+      </p:grpSpPr>
+      <p:sp>
+        <p:nvSpPr>
+          <p:cNvPr id="2" name="Title 1">
+            <a:extLst>
+              <a:ext uri="{FF2B5EF4-FFF2-40B4-BE49-F238E27FC236}">
+                <a16:creationId xmlns:a16="http://schemas.microsoft.com/office/drawing/2014/main" id="{1E0B02F0-37E2-48FD-BECD-D02580871CDF}"/>
+              </a:ext>
+            </a:extLst>
+          </p:cNvPr>
+          <p:cNvSpPr>
+            <a:spLocks noGrp="1"/>
+          </p:cNvSpPr>
+          <p:nvPr>
+            <p:ph type="title"/>
+          </p:nvPr>
+        </p:nvSpPr>
+        <p:spPr>
+          <a:xfrm>
+            <a:off x="916354" y="2103437"/>
+            <a:ext cx="10515600" cy="1325563"/>
+          </a:xfrm>
+        </p:spPr>
+        <p:txBody>
+          <a:bodyPr/>
+          <a:lstStyle/>
+          <a:p>
+            <a:r>
+              <a:rPr lang="en-US" dirty="0"/>
+              <a:t>Questions?</a:t>
+            </a:r>
+          </a:p>
+        </p:txBody>
+      </p:sp>
+    </p:spTree>
+    <p:extLst>
+      <p:ext uri="{BB962C8B-B14F-4D97-AF65-F5344CB8AC3E}">
+        <p14:creationId xmlns:p14="http://schemas.microsoft.com/office/powerpoint/2010/main" val="30194984"/>
       </p:ext>
     </p:extLst>
   </p:cSld>

--- a/Final Analysis Presentation.pptx
+++ b/Final Analysis Presentation.pptx
@@ -8327,15 +8327,7 @@
             </a:pPr>
             <a:r>
               <a:rPr lang="en-US" dirty="0"/>
-              <a:t>Extract and paste monthly </a:t>
-            </a:r>
-            <a:r>
-              <a:rPr lang="en-US" dirty="0" err="1"/>
-              <a:t>commulative</a:t>
-            </a:r>
-            <a:r>
-              <a:rPr lang="en-US" dirty="0"/>
-              <a:t> data into an empty </a:t>
+              <a:t>Extract and paste monthly cumulative data into an empty </a:t>
             </a:r>
             <a:r>
               <a:rPr lang="en-US" dirty="0" err="1"/>
@@ -9762,7 +9754,7 @@
         </p:spPr>
         <p:txBody>
           <a:bodyPr>
-            <a:normAutofit fontScale="47500" lnSpcReduction="20000"/>
+            <a:normAutofit fontScale="55000" lnSpcReduction="20000"/>
           </a:bodyPr>
           <a:lstStyle/>
           <a:p>
@@ -9838,7 +9830,7 @@
           <a:p>
             <a:r>
               <a:rPr lang="en-US" dirty="0"/>
-              <a:t>Sources: </a:t>
+              <a:t>Data sources: </a:t>
             </a:r>
           </a:p>
           <a:p>
@@ -9847,16 +9839,13 @@
               <a:buChar char="o"/>
             </a:pPr>
             <a:r>
-              <a:rPr lang="en-US" dirty="0"/>
-              <a:t>Unemployment claims by state.csv - </a:t>
-            </a:r>
-            <a:r>
-              <a:rPr lang="en-US" dirty="0">
-                <a:hlinkClick r:id="rId2"/>
-              </a:rPr>
-              <a:t>https://oui.doleta.gov/unemploy/claims.asp</a:t>
-            </a:r>
-            <a:endParaRPr lang="en-US" dirty="0"/>
+              <a:rPr lang="en-US" dirty="0" err="1"/>
+              <a:t>Covid</a:t>
+            </a:r>
+            <a:r>
+              <a:rPr lang="en-US" dirty="0"/>
+              <a:t> deaths – CDC</a:t>
+            </a:r>
           </a:p>
           <a:p>
             <a:pPr lvl="1">
@@ -9864,22 +9853,8 @@
               <a:buChar char="o"/>
             </a:pPr>
             <a:r>
-              <a:rPr lang="en-US" dirty="0" err="1"/>
-              <a:t>Covid</a:t>
-            </a:r>
-            <a:r>
-              <a:rPr lang="en-US" dirty="0"/>
-              <a:t> cases by state.csv - </a:t>
-            </a:r>
-            <a:r>
-              <a:rPr lang="en-US" dirty="0">
-                <a:hlinkClick r:id="rId3"/>
-              </a:rPr>
-              <a:t>https://catalog.data.gov/dataset/united-states-covid-19-cases-and-deaths-by-state-over-time</a:t>
-            </a:r>
-            <a:r>
-              <a:rPr lang="en-US" dirty="0"/>
-              <a:t> </a:t>
+              <a:rPr lang="en-US" dirty="0"/>
+              <a:t>Partisan data – national conference of state legislatures</a:t>
             </a:r>
           </a:p>
         </p:txBody>
@@ -9899,7 +9874,7 @@
           <p:nvPr/>
         </p:nvPicPr>
         <p:blipFill>
-          <a:blip r:embed="rId4">
+          <a:blip r:embed="rId2">
             <a:extLst>
               <a:ext uri="{28A0092B-C50C-407E-A947-70E740481C1C}">
                 <a14:useLocalDpi xmlns:a14="http://schemas.microsoft.com/office/drawing/2010/main" val="0"/>
